--- a/presentations/05-JAX-WS.pptx
+++ b/presentations/05-JAX-WS.pptx
@@ -5,7 +5,7 @@
     <p:sldMasterId id="2147483648" r:id="rId1"/>
   </p:sldMasterIdLst>
   <p:notesMasterIdLst>
-    <p:notesMasterId r:id="rId18"/>
+    <p:notesMasterId r:id="rId26"/>
   </p:notesMasterIdLst>
   <p:sldIdLst>
     <p:sldId id="256" r:id="rId2"/>
@@ -22,8 +22,16 @@
     <p:sldId id="266" r:id="rId13"/>
     <p:sldId id="264" r:id="rId14"/>
     <p:sldId id="270" r:id="rId15"/>
-    <p:sldId id="269" r:id="rId16"/>
-    <p:sldId id="268" r:id="rId17"/>
+    <p:sldId id="272" r:id="rId16"/>
+    <p:sldId id="273" r:id="rId17"/>
+    <p:sldId id="275" r:id="rId18"/>
+    <p:sldId id="274" r:id="rId19"/>
+    <p:sldId id="276" r:id="rId20"/>
+    <p:sldId id="268" r:id="rId21"/>
+    <p:sldId id="277" r:id="rId22"/>
+    <p:sldId id="278" r:id="rId23"/>
+    <p:sldId id="279" r:id="rId24"/>
+    <p:sldId id="280" r:id="rId25"/>
   </p:sldIdLst>
   <p:sldSz cx="9144000" cy="6858000" type="screen4x3"/>
   <p:notesSz cx="6858000" cy="9144000"/>
@@ -4667,22 +4675,55 @@
         <p:spPr/>
         <p:txBody>
           <a:bodyPr>
-            <a:normAutofit fontScale="85000" lnSpcReduction="10000"/>
+            <a:normAutofit fontScale="70000" lnSpcReduction="20000"/>
           </a:bodyPr>
           <a:lstStyle/>
           <a:p>
-            <a:r>
-              <a:rPr lang="en-US" dirty="0" smtClean="0"/>
-              <a:t>Examples</a:t>
-            </a:r>
-          </a:p>
-          <a:p>
-            <a:pPr marL="0" indent="0">
-              <a:buNone/>
-            </a:pPr>
-            <a:r>
-              <a:rPr lang="en-US" dirty="0"/>
-              <a:t>	java2ws -</a:t>
+            <a:pPr marL="0" indent="0">
+              <a:buNone/>
+            </a:pPr>
+            <a:endParaRPr lang="en-US" dirty="0"/>
+          </a:p>
+          <a:p>
+            <a:pPr marL="0" indent="0">
+              <a:buNone/>
+            </a:pPr>
+            <a:r>
+              <a:rPr lang="en-US" dirty="0"/>
+              <a:t> java2ws -</a:t>
+            </a:r>
+            <a:r>
+              <a:rPr lang="en-US" dirty="0" err="1"/>
+              <a:t>databinding</a:t>
+            </a:r>
+            <a:r>
+              <a:rPr lang="en-US" dirty="0"/>
+              <a:t> &lt;</a:t>
+            </a:r>
+            <a:r>
+              <a:rPr lang="en-US" dirty="0" err="1"/>
+              <a:t>jaxb</a:t>
+            </a:r>
+            <a:r>
+              <a:rPr lang="en-US" dirty="0"/>
+              <a:t> or aegis&gt; -frontend &lt;</a:t>
+            </a:r>
+            <a:r>
+              <a:rPr lang="en-US" dirty="0" err="1"/>
+              <a:t>jaxws</a:t>
+            </a:r>
+            <a:r>
+              <a:rPr lang="en-US" dirty="0"/>
+              <a:t> or simple&gt; </a:t>
+            </a:r>
+          </a:p>
+          <a:p>
+            <a:pPr marL="0" indent="0">
+              <a:buNone/>
+            </a:pPr>
+            <a:r>
+              <a:rPr lang="en-US" dirty="0"/>
+              <a:t>           -</a:t>
             </a:r>
             <a:r>
               <a:rPr lang="en-US" dirty="0" err="1"/>
@@ -4690,29 +4731,41 @@
             </a:r>
             <a:r>
               <a:rPr lang="en-US" dirty="0"/>
-              <a:t> -d ./resource </a:t>
-            </a:r>
-            <a:r>
-              <a:rPr lang="en-US" dirty="0" smtClean="0"/>
-              <a:t>		</a:t>
-            </a:r>
-            <a:r>
-              <a:rPr lang="en-US" dirty="0" err="1" smtClean="0"/>
-              <a:t>org.apache.hello.Greeter</a:t>
-            </a:r>
-            <a:endParaRPr lang="en-US" dirty="0"/>
-          </a:p>
-          <a:p>
-            <a:pPr marL="0" indent="0">
-              <a:buNone/>
-            </a:pPr>
-            <a:r>
-              <a:rPr lang="en-US" dirty="0" smtClean="0"/>
-              <a:t>	java2ws </a:t>
-            </a:r>
-            <a:r>
-              <a:rPr lang="en-US" dirty="0"/>
-              <a:t>-</a:t>
+              <a:t> -</a:t>
+            </a:r>
+            <a:r>
+              <a:rPr lang="en-US" dirty="0" err="1"/>
+              <a:t>wrapperbean</a:t>
+            </a:r>
+            <a:r>
+              <a:rPr lang="en-US" dirty="0"/>
+              <a:t> -client -server -ant -o &lt;output-file&gt;</a:t>
+            </a:r>
+          </a:p>
+          <a:p>
+            <a:pPr marL="0" indent="0">
+              <a:buNone/>
+            </a:pPr>
+            <a:r>
+              <a:rPr lang="en-US" dirty="0"/>
+              <a:t>           -d &lt;resource-directory&gt; -</a:t>
+            </a:r>
+            <a:r>
+              <a:rPr lang="en-US" dirty="0" err="1"/>
+              <a:t>classdir</a:t>
+            </a:r>
+            <a:r>
+              <a:rPr lang="en-US" dirty="0"/>
+              <a:t> &lt;compile-classes-directory&gt; </a:t>
+            </a:r>
+          </a:p>
+          <a:p>
+            <a:pPr marL="0" indent="0">
+              <a:buNone/>
+            </a:pPr>
+            <a:r>
+              <a:rPr lang="en-US" dirty="0"/>
+              <a:t>           -</a:t>
             </a:r>
             <a:r>
               <a:rPr lang="en-US" dirty="0" err="1"/>
@@ -4720,149 +4773,84 @@
             </a:r>
             <a:r>
               <a:rPr lang="en-US" dirty="0"/>
-              <a:t> ./</a:t>
+              <a:t> &lt;class-path&gt; -soap12 -t &lt;target-namespace&gt; </a:t>
+            </a:r>
+          </a:p>
+          <a:p>
+            <a:pPr marL="0" indent="0">
+              <a:buNone/>
+            </a:pPr>
+            <a:r>
+              <a:rPr lang="en-US" dirty="0"/>
+              <a:t>           -beans &lt;</a:t>
             </a:r>
             <a:r>
               <a:rPr lang="en-US" dirty="0" err="1"/>
-              <a:t>tmp</a:t>
-            </a:r>
-            <a:r>
-              <a:rPr lang="en-US" dirty="0"/>
-              <a:t> </a:t>
+              <a:t>ppathname</a:t>
+            </a:r>
+            <a:r>
+              <a:rPr lang="en-US" dirty="0"/>
+              <a:t> of the bean definition file&gt;* </a:t>
+            </a:r>
+          </a:p>
+          <a:p>
+            <a:pPr marL="0" indent="0">
+              <a:buNone/>
+            </a:pPr>
+            <a:r>
+              <a:rPr lang="en-US" dirty="0"/>
+              <a:t>           -address &lt;port-address&gt; -</a:t>
             </a:r>
             <a:r>
               <a:rPr lang="en-US" dirty="0" err="1"/>
-              <a:t>org.apache.hello.Greeter</a:t>
-            </a:r>
-            <a:r>
-              <a:rPr lang="en-US" dirty="0"/>
-              <a:t> -</a:t>
+              <a:t>servicename</a:t>
+            </a:r>
+            <a:r>
+              <a:rPr lang="en-US" dirty="0"/>
+              <a:t> &lt;service-name&gt; </a:t>
+            </a:r>
+          </a:p>
+          <a:p>
+            <a:pPr marL="0" indent="0">
+              <a:buNone/>
+            </a:pPr>
+            <a:r>
+              <a:rPr lang="en-US" dirty="0"/>
+              <a:t>           -</a:t>
             </a:r>
             <a:r>
               <a:rPr lang="en-US" dirty="0" err="1"/>
-              <a:t>wsdl</a:t>
-            </a:r>
-            <a:r>
-              <a:rPr lang="en-US" dirty="0"/>
-              <a:t> </a:t>
-            </a:r>
-          </a:p>
-          <a:p>
-            <a:pPr marL="0" indent="0">
-              <a:buNone/>
-            </a:pPr>
-            <a:r>
-              <a:rPr lang="en-US" dirty="0" smtClean="0"/>
-              <a:t>	java2ws </a:t>
-            </a:r>
-            <a:r>
-              <a:rPr lang="en-US" dirty="0"/>
-              <a:t>-o </a:t>
+              <a:t>portname</a:t>
+            </a:r>
+            <a:r>
+              <a:rPr lang="en-US" dirty="0"/>
+              <a:t> &lt;port-name&gt; -</a:t>
             </a:r>
             <a:r>
               <a:rPr lang="en-US" dirty="0" err="1"/>
-              <a:t>hello.wsdl</a:t>
-            </a:r>
-            <a:r>
-              <a:rPr lang="en-US" dirty="0"/>
-              <a:t> -</a:t>
+              <a:t>createxsdimports</a:t>
+            </a:r>
+            <a:r>
+              <a:rPr lang="en-US" dirty="0"/>
+              <a:t> -h -v -verbose </a:t>
+            </a:r>
+          </a:p>
+          <a:p>
+            <a:pPr marL="0" indent="0">
+              <a:buNone/>
+            </a:pPr>
+            <a:r>
+              <a:rPr lang="en-US" dirty="0"/>
+              <a:t>           -quiet {</a:t>
             </a:r>
             <a:r>
               <a:rPr lang="en-US" dirty="0" err="1"/>
-              <a:t>wsdl</a:t>
-            </a:r>
-            <a:r>
-              <a:rPr lang="en-US" dirty="0"/>
-              <a:t> </a:t>
-            </a:r>
-            <a:r>
-              <a:rPr lang="en-US" dirty="0" err="1"/>
-              <a:t>org.apache.hello.Greeter</a:t>
-            </a:r>
-            <a:r>
-              <a:rPr lang="en-US" dirty="0"/>
-              <a:t> </a:t>
-            </a:r>
-          </a:p>
-          <a:p>
-            <a:pPr marL="0" indent="0">
-              <a:buNone/>
-            </a:pPr>
-            <a:r>
-              <a:rPr lang="en-US" dirty="0" smtClean="0"/>
-              <a:t>	java2ws </a:t>
-            </a:r>
-            <a:r>
-              <a:rPr lang="en-US" dirty="0"/>
-              <a:t>-client -server -s ./</a:t>
-            </a:r>
-            <a:r>
-              <a:rPr lang="en-US" dirty="0" err="1"/>
-              <a:t>src</a:t>
-            </a:r>
-            <a:r>
-              <a:rPr lang="en-US" dirty="0"/>
-              <a:t> </a:t>
-            </a:r>
-            <a:r>
-              <a:rPr lang="en-US" dirty="0" smtClean="0"/>
-              <a:t>	</a:t>
-            </a:r>
-            <a:r>
-              <a:rPr lang="en-US" dirty="0" err="1" smtClean="0"/>
-              <a:t>org.apache.hello.Greeter</a:t>
-            </a:r>
-            <a:endParaRPr lang="en-US" dirty="0"/>
-          </a:p>
-          <a:p>
-            <a:pPr marL="0" indent="0">
-              <a:buNone/>
-            </a:pPr>
-            <a:r>
-              <a:rPr lang="en-US" dirty="0" smtClean="0"/>
-              <a:t>	java2ws </a:t>
-            </a:r>
-            <a:r>
-              <a:rPr lang="en-US" dirty="0"/>
-              <a:t>-</a:t>
-            </a:r>
-            <a:r>
-              <a:rPr lang="en-US" dirty="0" err="1"/>
-              <a:t>wrapperbean</a:t>
-            </a:r>
-            <a:r>
-              <a:rPr lang="en-US" dirty="0"/>
-              <a:t> -</a:t>
-            </a:r>
-            <a:r>
-              <a:rPr lang="en-US" dirty="0" err="1"/>
-              <a:t>classdir</a:t>
-            </a:r>
-            <a:r>
-              <a:rPr lang="en-US" dirty="0"/>
-              <a:t> ./</a:t>
-            </a:r>
-            <a:r>
-              <a:rPr lang="en-US"/>
-              <a:t>classes </a:t>
-            </a:r>
-            <a:r>
-              <a:rPr lang="en-US" smtClean="0"/>
-              <a:t>	org.apache.hello.Greeter</a:t>
-            </a:r>
-            <a:endParaRPr lang="en-US" dirty="0"/>
-          </a:p>
-          <a:p>
-            <a:pPr marL="0" indent="0">
-              <a:buNone/>
-            </a:pPr>
-            <a:endParaRPr lang="en-US" dirty="0"/>
-          </a:p>
-          <a:p>
-            <a:pPr marL="0" indent="0">
-              <a:buNone/>
-            </a:pPr>
-            <a:endParaRPr lang="en-US" dirty="0"/>
+              <a:t>classname</a:t>
+            </a:r>
+            <a:r>
+              <a:rPr lang="en-US" dirty="0"/>
+              <a:t>}</a:t>
+            </a:r>
           </a:p>
         </p:txBody>
       </p:sp>
@@ -4913,7 +4901,7 @@
           <a:p>
             <a:r>
               <a:rPr lang="en-US" dirty="0" smtClean="0"/>
-              <a:t>Handler Chains</a:t>
+              <a:t>Options</a:t>
             </a:r>
             <a:endParaRPr lang="en-US" dirty="0"/>
           </a:p>
@@ -4931,17 +4919,106 @@
         </p:nvSpPr>
         <p:spPr/>
         <p:txBody>
-          <a:bodyPr/>
-          <a:lstStyle/>
-          <a:p>
-            <a:endParaRPr lang="en-US" dirty="0"/>
+          <a:bodyPr>
+            <a:noAutofit/>
+          </a:bodyPr>
+          <a:lstStyle/>
+          <a:p>
+            <a:pPr marL="0" indent="0">
+              <a:buNone/>
+            </a:pPr>
+            <a:r>
+              <a:rPr lang="en-US" sz="2800" dirty="0"/>
+              <a:t>Option	 Interpretation</a:t>
+            </a:r>
+          </a:p>
+          <a:p>
+            <a:pPr marL="0" indent="0">
+              <a:buNone/>
+            </a:pPr>
+            <a:r>
+              <a:rPr lang="en-US" sz="2800" dirty="0"/>
+              <a:t>-?,-h,-help	 Displays the online help for this utility and exits.</a:t>
+            </a:r>
+          </a:p>
+          <a:p>
+            <a:pPr marL="0" indent="0">
+              <a:buNone/>
+            </a:pPr>
+            <a:r>
+              <a:rPr lang="en-US" sz="2800" dirty="0"/>
+              <a:t>-o	 Specifies the name of the generated WSDL file.</a:t>
+            </a:r>
+          </a:p>
+          <a:p>
+            <a:pPr marL="0" indent="0">
+              <a:buNone/>
+            </a:pPr>
+            <a:r>
+              <a:rPr lang="en-US" sz="2800" dirty="0"/>
+              <a:t>--</a:t>
+            </a:r>
+            <a:r>
+              <a:rPr lang="en-US" sz="2800" dirty="0" err="1"/>
+              <a:t>databinding</a:t>
+            </a:r>
+            <a:r>
+              <a:rPr lang="en-US" sz="2800" dirty="0"/>
+              <a:t>	Specify the data binding (aegis or </a:t>
+            </a:r>
+            <a:r>
+              <a:rPr lang="en-US" sz="2800" dirty="0" err="1"/>
+              <a:t>jaxb</a:t>
+            </a:r>
+            <a:r>
+              <a:rPr lang="en-US" sz="2800" dirty="0"/>
+              <a:t>). Default is </a:t>
+            </a:r>
+            <a:r>
+              <a:rPr lang="en-US" sz="2800" dirty="0" err="1"/>
+              <a:t>jaxb</a:t>
+            </a:r>
+            <a:r>
+              <a:rPr lang="en-US" sz="2800" dirty="0"/>
+              <a:t> for </a:t>
+            </a:r>
+            <a:r>
+              <a:rPr lang="en-US" sz="2800" dirty="0" err="1"/>
+              <a:t>jaxws</a:t>
+            </a:r>
+            <a:r>
+              <a:rPr lang="en-US" sz="2800" dirty="0"/>
+              <a:t> frontend, and aegis for simple frontend.</a:t>
+            </a:r>
+          </a:p>
+          <a:p>
+            <a:pPr marL="0" indent="0">
+              <a:buNone/>
+            </a:pPr>
+            <a:r>
+              <a:rPr lang="en-US" sz="2800" dirty="0"/>
+              <a:t>-frontend	 Specify the frontend to use. </a:t>
+            </a:r>
+            <a:r>
+              <a:rPr lang="en-US" sz="2800" dirty="0" err="1"/>
+              <a:t>jaxws</a:t>
+            </a:r>
+            <a:r>
+              <a:rPr lang="en-US" sz="2800" dirty="0"/>
+              <a:t> and the simple frontend are supported</a:t>
+            </a:r>
+            <a:r>
+              <a:rPr lang="en-US" sz="2800" dirty="0" smtClean="0"/>
+              <a:t>.</a:t>
+            </a:r>
+            <a:endParaRPr lang="en-US" sz="2800" dirty="0"/>
           </a:p>
         </p:txBody>
       </p:sp>
     </p:spTree>
     <p:extLst>
       <p:ext uri="{BB962C8B-B14F-4D97-AF65-F5344CB8AC3E}">
-        <p14:creationId xmlns:p14="http://schemas.microsoft.com/office/powerpoint/2010/main" val="1537075155"/>
+        <p14:creationId xmlns:p14="http://schemas.microsoft.com/office/powerpoint/2010/main" val="3375715259"/>
       </p:ext>
     </p:extLst>
   </p:cSld>
@@ -4980,12 +5057,14 @@
         </p:nvSpPr>
         <p:spPr/>
         <p:txBody>
-          <a:bodyPr/>
-          <a:lstStyle/>
-          <a:p>
-            <a:r>
-              <a:rPr lang="en-US" dirty="0" err="1" smtClean="0"/>
-              <a:t>HandlerChain</a:t>
+          <a:bodyPr>
+            <a:normAutofit/>
+          </a:bodyPr>
+          <a:lstStyle/>
+          <a:p>
+            <a:r>
+              <a:rPr lang="en-US" dirty="0" smtClean="0"/>
+              <a:t>Options (continued)</a:t>
             </a:r>
             <a:endParaRPr lang="en-US" dirty="0"/>
           </a:p>
@@ -5001,10 +5080,15 @@
             <p:ph idx="1"/>
           </p:nvPr>
         </p:nvSpPr>
-        <p:spPr/>
+        <p:spPr>
+          <a:xfrm>
+            <a:off x="375635" y="1381215"/>
+            <a:ext cx="8229600" cy="4525963"/>
+          </a:xfrm>
+        </p:spPr>
         <p:txBody>
           <a:bodyPr>
-            <a:normAutofit fontScale="47500" lnSpcReduction="20000"/>
+            <a:noAutofit/>
           </a:bodyPr>
           <a:lstStyle/>
           <a:p>
@@ -5012,320 +5096,544 @@
               <a:buNone/>
             </a:pPr>
             <a:r>
-              <a:rPr lang="en-US" sz="5900" dirty="0"/>
-              <a:t>@</a:t>
-            </a:r>
-            <a:r>
-              <a:rPr lang="en-US" sz="5900" dirty="0" err="1"/>
-              <a:t>HandlerChain</a:t>
-            </a:r>
-            <a:r>
-              <a:rPr lang="en-US" sz="5900" dirty="0"/>
-              <a:t>(file = "</a:t>
-            </a:r>
-            <a:r>
-              <a:rPr lang="en-US" sz="5900" dirty="0" err="1"/>
-              <a:t>handlers.xml</a:t>
-            </a:r>
-            <a:r>
-              <a:rPr lang="en-US" sz="5900" dirty="0"/>
-              <a:t>"</a:t>
-            </a:r>
-            <a:r>
-              <a:rPr lang="en-US" sz="5900" dirty="0" smtClean="0"/>
-              <a:t>)</a:t>
-            </a:r>
-          </a:p>
-          <a:p>
-            <a:pPr marL="0" indent="0">
-              <a:buNone/>
-            </a:pPr>
-            <a:endParaRPr lang="en-US" dirty="0"/>
-          </a:p>
-          <a:p>
-            <a:pPr marL="0" indent="0">
-              <a:buNone/>
-            </a:pPr>
-            <a:r>
-              <a:rPr lang="en-US" dirty="0" err="1" smtClean="0"/>
-              <a:t>Handlers.xml</a:t>
-            </a:r>
-            <a:endParaRPr lang="en-US" dirty="0" smtClean="0"/>
-          </a:p>
-          <a:p>
-            <a:pPr marL="0" indent="0">
-              <a:buNone/>
-            </a:pPr>
-            <a:r>
-              <a:rPr lang="en-US" dirty="0">
-                <a:latin typeface="Lucida Console"/>
-                <a:cs typeface="Lucida Console"/>
-              </a:rPr>
-              <a:t>&lt;?xml version="1.0" encoding="UTF-8"?&gt;</a:t>
-            </a:r>
-          </a:p>
-          <a:p>
-            <a:pPr marL="0" indent="0">
-              <a:buNone/>
-            </a:pPr>
-            <a:r>
-              <a:rPr lang="en-US" dirty="0">
-                <a:latin typeface="Lucida Console"/>
-                <a:cs typeface="Lucida Console"/>
-              </a:rPr>
-              <a:t>&lt;handler-chains </a:t>
-            </a:r>
-            <a:r>
-              <a:rPr lang="en-US" dirty="0" err="1">
-                <a:latin typeface="Lucida Console"/>
-                <a:cs typeface="Lucida Console"/>
-              </a:rPr>
-              <a:t>xmlns</a:t>
-            </a:r>
-            <a:r>
-              <a:rPr lang="en-US" dirty="0">
-                <a:latin typeface="Lucida Console"/>
-                <a:cs typeface="Lucida Console"/>
-              </a:rPr>
-              <a:t>="http://</a:t>
-            </a:r>
-            <a:r>
-              <a:rPr lang="en-US" dirty="0" err="1">
-                <a:latin typeface="Lucida Console"/>
-                <a:cs typeface="Lucida Console"/>
-              </a:rPr>
-              <a:t>java.sun.com</a:t>
-            </a:r>
-            <a:r>
-              <a:rPr lang="en-US" dirty="0">
-                <a:latin typeface="Lucida Console"/>
-                <a:cs typeface="Lucida Console"/>
-              </a:rPr>
-              <a:t>/xml/ns/</a:t>
-            </a:r>
-            <a:r>
-              <a:rPr lang="en-US" dirty="0" err="1">
-                <a:latin typeface="Lucida Console"/>
-                <a:cs typeface="Lucida Console"/>
-              </a:rPr>
-              <a:t>javaee</a:t>
-            </a:r>
-            <a:r>
-              <a:rPr lang="en-US" dirty="0">
-                <a:latin typeface="Lucida Console"/>
-                <a:cs typeface="Lucida Console"/>
-              </a:rPr>
-              <a:t>"&gt;</a:t>
-            </a:r>
-          </a:p>
-          <a:p>
-            <a:pPr marL="0" indent="0">
-              <a:buNone/>
-            </a:pPr>
-            <a:r>
-              <a:rPr lang="en-US" dirty="0">
-                <a:latin typeface="Lucida Console"/>
-                <a:cs typeface="Lucida Console"/>
-              </a:rPr>
-              <a:t>  &lt;handler-chain&gt;</a:t>
-            </a:r>
-          </a:p>
-          <a:p>
-            <a:pPr marL="0" indent="0">
-              <a:buNone/>
-            </a:pPr>
-            <a:r>
-              <a:rPr lang="en-US" dirty="0">
-                <a:latin typeface="Lucida Console"/>
-                <a:cs typeface="Lucida Console"/>
-              </a:rPr>
-              <a:t>    &lt;handler&gt;</a:t>
-            </a:r>
-          </a:p>
-          <a:p>
-            <a:pPr marL="0" indent="0">
-              <a:buNone/>
-            </a:pPr>
-            <a:r>
-              <a:rPr lang="en-US" dirty="0">
-                <a:latin typeface="Lucida Console"/>
-                <a:cs typeface="Lucida Console"/>
-              </a:rPr>
-              <a:t>      &lt;handler-name</a:t>
-            </a:r>
-            <a:r>
-              <a:rPr lang="en-US" dirty="0" smtClean="0">
-                <a:latin typeface="Lucida Console"/>
-                <a:cs typeface="Lucida Console"/>
-              </a:rPr>
-              <a:t>&gt;Transform&lt;</a:t>
-            </a:r>
-            <a:r>
-              <a:rPr lang="en-US" dirty="0">
-                <a:latin typeface="Lucida Console"/>
-                <a:cs typeface="Lucida Console"/>
-              </a:rPr>
-              <a:t>/handler-name&gt;</a:t>
-            </a:r>
-          </a:p>
-          <a:p>
-            <a:pPr marL="0" indent="0">
-              <a:buNone/>
-            </a:pPr>
-            <a:r>
-              <a:rPr lang="en-US" dirty="0">
-                <a:latin typeface="Lucida Console"/>
-                <a:cs typeface="Lucida Console"/>
-              </a:rPr>
-              <a:t>      &lt;handler-class&gt;</a:t>
-            </a:r>
-            <a:r>
-              <a:rPr lang="en-US" dirty="0" err="1" smtClean="0">
-                <a:latin typeface="Lucida Console"/>
-                <a:cs typeface="Lucida Console"/>
-              </a:rPr>
-              <a:t>org.freo.jaxws.handlers.Transform</a:t>
-            </a:r>
-            <a:r>
-              <a:rPr lang="en-US" dirty="0" smtClean="0">
-                <a:latin typeface="Lucida Console"/>
-                <a:cs typeface="Lucida Console"/>
-              </a:rPr>
-              <a:t>&lt;</a:t>
-            </a:r>
-            <a:r>
-              <a:rPr lang="en-US" dirty="0">
-                <a:latin typeface="Lucida Console"/>
-                <a:cs typeface="Lucida Console"/>
-              </a:rPr>
-              <a:t>/handler-class&gt;</a:t>
-            </a:r>
-          </a:p>
-          <a:p>
-            <a:pPr marL="0" indent="0">
-              <a:buNone/>
-            </a:pPr>
-            <a:r>
-              <a:rPr lang="en-US" dirty="0">
-                <a:latin typeface="Lucida Console"/>
-                <a:cs typeface="Lucida Console"/>
-              </a:rPr>
-              <a:t>    &lt;/handler&gt;</a:t>
-            </a:r>
-          </a:p>
-          <a:p>
-            <a:pPr marL="0" indent="0">
-              <a:buNone/>
-            </a:pPr>
-            <a:r>
-              <a:rPr lang="en-US" dirty="0">
-                <a:latin typeface="Lucida Console"/>
-                <a:cs typeface="Lucida Console"/>
-              </a:rPr>
-              <a:t>    &lt;handler&gt;</a:t>
-            </a:r>
-          </a:p>
-          <a:p>
-            <a:pPr marL="0" indent="0">
-              <a:buNone/>
-            </a:pPr>
-            <a:r>
-              <a:rPr lang="en-US" dirty="0">
-                <a:latin typeface="Lucida Console"/>
-                <a:cs typeface="Lucida Console"/>
-              </a:rPr>
-              <a:t>      &lt;handler-name</a:t>
-            </a:r>
-            <a:r>
-              <a:rPr lang="en-US" dirty="0" smtClean="0">
-                <a:latin typeface="Lucida Console"/>
-                <a:cs typeface="Lucida Console"/>
-              </a:rPr>
-              <a:t>&gt;Log&lt;</a:t>
-            </a:r>
-            <a:r>
-              <a:rPr lang="en-US" dirty="0">
-                <a:latin typeface="Lucida Console"/>
-                <a:cs typeface="Lucida Console"/>
-              </a:rPr>
-              <a:t>/handler-name&gt;</a:t>
-            </a:r>
-          </a:p>
-          <a:p>
-            <a:pPr marL="0" indent="0">
-              <a:buNone/>
-            </a:pPr>
-            <a:r>
-              <a:rPr lang="en-US" dirty="0">
-                <a:latin typeface="Lucida Console"/>
-                <a:cs typeface="Lucida Console"/>
-              </a:rPr>
-              <a:t>      &lt;handler-class&gt;</a:t>
-            </a:r>
-            <a:r>
-              <a:rPr lang="en-US" dirty="0" err="1" smtClean="0">
-                <a:latin typeface="Lucida Console"/>
-                <a:cs typeface="Lucida Console"/>
-              </a:rPr>
-              <a:t>org.freo.jaxws.handlers.Logger</a:t>
-            </a:r>
-            <a:r>
-              <a:rPr lang="en-US" dirty="0" smtClean="0">
-                <a:latin typeface="Lucida Console"/>
-                <a:cs typeface="Lucida Console"/>
-              </a:rPr>
-              <a:t>&lt;</a:t>
-            </a:r>
-            <a:r>
-              <a:rPr lang="en-US" dirty="0">
-                <a:latin typeface="Lucida Console"/>
-                <a:cs typeface="Lucida Console"/>
-              </a:rPr>
-              <a:t>/handler-class&gt;</a:t>
-            </a:r>
-          </a:p>
-          <a:p>
-            <a:pPr marL="0" indent="0">
-              <a:buNone/>
-            </a:pPr>
-            <a:r>
-              <a:rPr lang="en-US" dirty="0">
-                <a:latin typeface="Lucida Console"/>
-                <a:cs typeface="Lucida Console"/>
-              </a:rPr>
-              <a:t>    &lt;/handler&gt;</a:t>
-            </a:r>
-          </a:p>
-          <a:p>
-            <a:pPr marL="0" indent="0">
-              <a:buNone/>
-            </a:pPr>
-            <a:r>
-              <a:rPr lang="en-US" dirty="0">
-                <a:latin typeface="Lucida Console"/>
-                <a:cs typeface="Lucida Console"/>
-              </a:rPr>
-              <a:t>  &lt;/handler-chain&gt;</a:t>
-            </a:r>
-          </a:p>
-          <a:p>
-            <a:pPr marL="0" indent="0">
-              <a:buNone/>
-            </a:pPr>
-            <a:r>
-              <a:rPr lang="en-US" dirty="0">
-                <a:latin typeface="Lucida Console"/>
-                <a:cs typeface="Lucida Console"/>
-              </a:rPr>
-              <a:t>&lt;/handler-chains&gt;</a:t>
-            </a:r>
+              <a:rPr lang="en-US" sz="2000" dirty="0"/>
+              <a:t>-</a:t>
+            </a:r>
+            <a:r>
+              <a:rPr lang="en-US" sz="2000" dirty="0" err="1"/>
+              <a:t>wsdl</a:t>
+            </a:r>
+            <a:r>
+              <a:rPr lang="en-US" sz="2000" dirty="0"/>
+              <a:t>	Specify to generate the WSDL file.</a:t>
+            </a:r>
+          </a:p>
+          <a:p>
+            <a:pPr marL="0" indent="0">
+              <a:buNone/>
+            </a:pPr>
+            <a:r>
+              <a:rPr lang="en-US" sz="2000" dirty="0"/>
+              <a:t>-</a:t>
+            </a:r>
+            <a:r>
+              <a:rPr lang="en-US" sz="2000" dirty="0" err="1"/>
+              <a:t>wrapperbean</a:t>
+            </a:r>
+            <a:r>
+              <a:rPr lang="en-US" sz="2000" dirty="0"/>
+              <a:t>	Specify to generate the wrapper and fault bean</a:t>
+            </a:r>
+          </a:p>
+          <a:p>
+            <a:pPr marL="0" indent="0">
+              <a:buNone/>
+            </a:pPr>
+            <a:r>
+              <a:rPr lang="en-US" sz="2000" dirty="0"/>
+              <a:t>-client	Specify to generate client side code</a:t>
+            </a:r>
+          </a:p>
+          <a:p>
+            <a:pPr marL="0" indent="0">
+              <a:buNone/>
+            </a:pPr>
+            <a:r>
+              <a:rPr lang="en-US" sz="2000" dirty="0"/>
+              <a:t>-server	Specify to generate server side code</a:t>
+            </a:r>
+          </a:p>
+          <a:p>
+            <a:pPr marL="0" indent="0">
+              <a:buNone/>
+            </a:pPr>
+            <a:r>
+              <a:rPr lang="en-US" sz="2000" dirty="0"/>
+              <a:t>-ant	Specify to generate an Ant </a:t>
+            </a:r>
+            <a:r>
+              <a:rPr lang="en-US" sz="2000" dirty="0" err="1"/>
+              <a:t>build.xml</a:t>
+            </a:r>
+            <a:r>
+              <a:rPr lang="en-US" sz="2000" dirty="0"/>
+              <a:t> script</a:t>
+            </a:r>
+          </a:p>
+          <a:p>
+            <a:pPr marL="0" indent="0">
+              <a:buNone/>
+            </a:pPr>
+            <a:r>
+              <a:rPr lang="en-US" sz="2000" dirty="0"/>
+              <a:t>-</a:t>
+            </a:r>
+            <a:r>
+              <a:rPr lang="en-US" sz="2000" dirty="0" err="1"/>
+              <a:t>cp</a:t>
+            </a:r>
+            <a:r>
+              <a:rPr lang="en-US" sz="2000" dirty="0"/>
+              <a:t>	 Specify the SEI and types class search path of directories and zip/jar files.</a:t>
+            </a:r>
+          </a:p>
+          <a:p>
+            <a:pPr marL="0" indent="0">
+              <a:buNone/>
+            </a:pPr>
+            <a:r>
+              <a:rPr lang="en-US" sz="2000" dirty="0"/>
+              <a:t>-soap12	 Specifies that the generated WSDL is to include a SOAP 1.2 binding.</a:t>
+            </a:r>
+          </a:p>
+          <a:p>
+            <a:pPr marL="0" indent="0">
+              <a:buNone/>
+            </a:pPr>
+            <a:r>
+              <a:rPr lang="en-US" sz="2000" dirty="0"/>
+              <a:t>-t	 Specifies the target namespace to use in the generated WSDL file.</a:t>
+            </a:r>
+          </a:p>
+          <a:p>
+            <a:pPr marL="0" indent="0">
+              <a:buNone/>
+            </a:pPr>
+            <a:r>
+              <a:rPr lang="en-US" sz="2000" dirty="0"/>
+              <a:t>-</a:t>
+            </a:r>
+            <a:r>
+              <a:rPr lang="en-US" sz="2000" dirty="0" err="1"/>
+              <a:t>servicename</a:t>
+            </a:r>
+            <a:r>
+              <a:rPr lang="en-US" sz="2000" dirty="0"/>
+              <a:t>	 Specifies the value of the generated service element's name attribute.</a:t>
+            </a:r>
+          </a:p>
+          <a:p>
+            <a:pPr marL="0" indent="0">
+              <a:buNone/>
+            </a:pPr>
+            <a:r>
+              <a:rPr lang="en-US" sz="2000" dirty="0"/>
+              <a:t>-v	 Displays the version number for the tool</a:t>
+            </a:r>
+            <a:r>
+              <a:rPr lang="en-US" sz="2000" dirty="0" smtClean="0"/>
+              <a:t>.</a:t>
+            </a:r>
+            <a:endParaRPr lang="en-US" sz="2000" dirty="0"/>
           </a:p>
         </p:txBody>
       </p:sp>
     </p:spTree>
     <p:extLst>
       <p:ext uri="{BB962C8B-B14F-4D97-AF65-F5344CB8AC3E}">
-        <p14:creationId xmlns:p14="http://schemas.microsoft.com/office/powerpoint/2010/main" val="1556069200"/>
+        <p14:creationId xmlns:p14="http://schemas.microsoft.com/office/powerpoint/2010/main" val="90414628"/>
+      </p:ext>
+    </p:extLst>
+  </p:cSld>
+  <p:clrMapOvr>
+    <a:masterClrMapping/>
+  </p:clrMapOvr>
+</p:sld>
+</file>
+
+<file path=ppt/slides/slide17.xml><?xml version="1.0" encoding="utf-8"?>
+<p:sld xmlns:a="http://schemas.openxmlformats.org/drawingml/2006/main" xmlns:r="http://schemas.openxmlformats.org/officeDocument/2006/relationships" xmlns:p="http://schemas.openxmlformats.org/presentationml/2006/main">
+  <p:cSld>
+    <p:spTree>
+      <p:nvGrpSpPr>
+        <p:cNvPr id="1" name=""/>
+        <p:cNvGrpSpPr/>
+        <p:nvPr/>
+      </p:nvGrpSpPr>
+      <p:grpSpPr>
+        <a:xfrm>
+          <a:off x="0" y="0"/>
+          <a:ext cx="0" cy="0"/>
+          <a:chOff x="0" y="0"/>
+          <a:chExt cx="0" cy="0"/>
+        </a:xfrm>
+      </p:grpSpPr>
+      <p:sp>
+        <p:nvSpPr>
+          <p:cNvPr id="2" name="Title 1"/>
+          <p:cNvSpPr>
+            <a:spLocks noGrp="1"/>
+          </p:cNvSpPr>
+          <p:nvPr>
+            <p:ph type="title"/>
+          </p:nvPr>
+        </p:nvSpPr>
+        <p:spPr/>
+        <p:txBody>
+          <a:bodyPr>
+            <a:normAutofit/>
+          </a:bodyPr>
+          <a:lstStyle/>
+          <a:p>
+            <a:r>
+              <a:rPr lang="en-US" dirty="0" smtClean="0"/>
+              <a:t>Options (continued)</a:t>
+            </a:r>
+            <a:endParaRPr lang="en-US" dirty="0"/>
+          </a:p>
+        </p:txBody>
+      </p:sp>
+      <p:sp>
+        <p:nvSpPr>
+          <p:cNvPr id="3" name="Content Placeholder 2"/>
+          <p:cNvSpPr>
+            <a:spLocks noGrp="1"/>
+          </p:cNvSpPr>
+          <p:nvPr>
+            <p:ph idx="1"/>
+          </p:nvPr>
+        </p:nvSpPr>
+        <p:spPr/>
+        <p:txBody>
+          <a:bodyPr>
+            <a:noAutofit/>
+          </a:bodyPr>
+          <a:lstStyle/>
+          <a:p>
+            <a:pPr marL="0" indent="0">
+              <a:buNone/>
+            </a:pPr>
+            <a:r>
+              <a:rPr lang="en-US" sz="2800" dirty="0" smtClean="0"/>
+              <a:t>-</a:t>
+            </a:r>
+            <a:r>
+              <a:rPr lang="en-US" sz="2800" dirty="0"/>
+              <a:t>verbose	 Displays comments during the code generation process.</a:t>
+            </a:r>
+          </a:p>
+          <a:p>
+            <a:pPr marL="0" indent="0">
+              <a:buNone/>
+            </a:pPr>
+            <a:r>
+              <a:rPr lang="en-US" sz="2800" dirty="0"/>
+              <a:t>-quiet	 Suppresses comments during the code generation process.</a:t>
+            </a:r>
+          </a:p>
+          <a:p>
+            <a:pPr marL="0" indent="0">
+              <a:buNone/>
+            </a:pPr>
+            <a:r>
+              <a:rPr lang="en-US" sz="2800" dirty="0"/>
+              <a:t>-s	 The directory in which the generated source files(wrapper bean ,fault bean ,client side or server side code) are placed.</a:t>
+            </a:r>
+          </a:p>
+          <a:p>
+            <a:pPr marL="0" indent="0">
+              <a:buNone/>
+            </a:pPr>
+            <a:r>
+              <a:rPr lang="en-US" sz="2800" dirty="0"/>
+              <a:t>-</a:t>
+            </a:r>
+            <a:r>
+              <a:rPr lang="en-US" sz="2800" dirty="0" err="1"/>
+              <a:t>classdir</a:t>
+            </a:r>
+            <a:r>
+              <a:rPr lang="en-US" sz="2800" dirty="0"/>
+              <a:t>	 The directory in which the generated sources are compiled into. If not specified, the files are not compiled</a:t>
+            </a:r>
+            <a:r>
+              <a:rPr lang="en-US" sz="2800" dirty="0" smtClean="0"/>
+              <a:t>.</a:t>
+            </a:r>
+            <a:endParaRPr lang="en-US" sz="2800" dirty="0"/>
+          </a:p>
+        </p:txBody>
+      </p:sp>
+    </p:spTree>
+    <p:extLst>
+      <p:ext uri="{BB962C8B-B14F-4D97-AF65-F5344CB8AC3E}">
+        <p14:creationId xmlns:p14="http://schemas.microsoft.com/office/powerpoint/2010/main" val="1035198703"/>
+      </p:ext>
+    </p:extLst>
+  </p:cSld>
+  <p:clrMapOvr>
+    <a:masterClrMapping/>
+  </p:clrMapOvr>
+</p:sld>
+</file>
+
+<file path=ppt/slides/slide18.xml><?xml version="1.0" encoding="utf-8"?>
+<p:sld xmlns:a="http://schemas.openxmlformats.org/drawingml/2006/main" xmlns:r="http://schemas.openxmlformats.org/officeDocument/2006/relationships" xmlns:p="http://schemas.openxmlformats.org/presentationml/2006/main">
+  <p:cSld>
+    <p:spTree>
+      <p:nvGrpSpPr>
+        <p:cNvPr id="1" name=""/>
+        <p:cNvGrpSpPr/>
+        <p:nvPr/>
+      </p:nvGrpSpPr>
+      <p:grpSpPr>
+        <a:xfrm>
+          <a:off x="0" y="0"/>
+          <a:ext cx="0" cy="0"/>
+          <a:chOff x="0" y="0"/>
+          <a:chExt cx="0" cy="0"/>
+        </a:xfrm>
+      </p:grpSpPr>
+      <p:sp>
+        <p:nvSpPr>
+          <p:cNvPr id="2" name="Title 1"/>
+          <p:cNvSpPr>
+            <a:spLocks noGrp="1"/>
+          </p:cNvSpPr>
+          <p:nvPr>
+            <p:ph type="title"/>
+          </p:nvPr>
+        </p:nvSpPr>
+        <p:spPr/>
+        <p:txBody>
+          <a:bodyPr>
+            <a:normAutofit/>
+          </a:bodyPr>
+          <a:lstStyle/>
+          <a:p>
+            <a:r>
+              <a:rPr lang="en-US" dirty="0" smtClean="0"/>
+              <a:t>Options (continued)</a:t>
+            </a:r>
+            <a:endParaRPr lang="en-US" dirty="0"/>
+          </a:p>
+        </p:txBody>
+      </p:sp>
+      <p:sp>
+        <p:nvSpPr>
+          <p:cNvPr id="3" name="Content Placeholder 2"/>
+          <p:cNvSpPr>
+            <a:spLocks noGrp="1"/>
+          </p:cNvSpPr>
+          <p:nvPr>
+            <p:ph idx="1"/>
+          </p:nvPr>
+        </p:nvSpPr>
+        <p:spPr/>
+        <p:txBody>
+          <a:bodyPr>
+            <a:noAutofit/>
+          </a:bodyPr>
+          <a:lstStyle/>
+          <a:p>
+            <a:pPr marL="0" indent="0">
+              <a:buNone/>
+            </a:pPr>
+            <a:r>
+              <a:rPr lang="en-US" sz="2400" dirty="0" smtClean="0"/>
+              <a:t>-</a:t>
+            </a:r>
+            <a:r>
+              <a:rPr lang="en-US" sz="2400" dirty="0" err="1"/>
+              <a:t>portname</a:t>
+            </a:r>
+            <a:r>
+              <a:rPr lang="en-US" sz="2400" dirty="0"/>
+              <a:t>	 Specify the port name to use in the generated </a:t>
+            </a:r>
+            <a:r>
+              <a:rPr lang="en-US" sz="2400" dirty="0" err="1"/>
+              <a:t>wsdl</a:t>
+            </a:r>
+            <a:r>
+              <a:rPr lang="en-US" sz="2400" dirty="0"/>
+              <a:t>.</a:t>
+            </a:r>
+          </a:p>
+          <a:p>
+            <a:pPr marL="0" indent="0">
+              <a:buNone/>
+            </a:pPr>
+            <a:r>
+              <a:rPr lang="en-US" sz="2400" dirty="0"/>
+              <a:t>-address	 Specify the port address.</a:t>
+            </a:r>
+          </a:p>
+          <a:p>
+            <a:pPr marL="0" indent="0">
+              <a:buNone/>
+            </a:pPr>
+            <a:r>
+              <a:rPr lang="en-US" sz="2400" dirty="0"/>
+              <a:t>-beans	Specify the pathname of a file defining additional Spring beans to customize </a:t>
+            </a:r>
+            <a:r>
+              <a:rPr lang="en-US" sz="2400" dirty="0" err="1"/>
+              <a:t>databinding</a:t>
+            </a:r>
+            <a:r>
+              <a:rPr lang="en-US" sz="2400" dirty="0"/>
+              <a:t> configuration.</a:t>
+            </a:r>
+          </a:p>
+          <a:p>
+            <a:pPr marL="0" indent="0">
+              <a:buNone/>
+            </a:pPr>
+            <a:r>
+              <a:rPr lang="en-US" sz="2400" dirty="0"/>
+              <a:t>-</a:t>
+            </a:r>
+            <a:r>
+              <a:rPr lang="en-US" sz="2400" dirty="0" err="1"/>
+              <a:t>createxsdimports</a:t>
+            </a:r>
+            <a:r>
+              <a:rPr lang="en-US" sz="2400" dirty="0"/>
+              <a:t>	Output schemas to separate files and use imports to load them instead of </a:t>
+            </a:r>
+            <a:r>
+              <a:rPr lang="en-US" sz="2400" dirty="0" err="1"/>
+              <a:t>inlining</a:t>
+            </a:r>
+            <a:r>
+              <a:rPr lang="en-US" sz="2400" dirty="0"/>
+              <a:t> them into the </a:t>
+            </a:r>
+            <a:r>
+              <a:rPr lang="en-US" sz="2400" dirty="0" err="1"/>
+              <a:t>wsdl</a:t>
+            </a:r>
+            <a:r>
+              <a:rPr lang="en-US" sz="2400" dirty="0"/>
+              <a:t>.</a:t>
+            </a:r>
+          </a:p>
+          <a:p>
+            <a:pPr marL="0" indent="0">
+              <a:buNone/>
+            </a:pPr>
+            <a:r>
+              <a:rPr lang="en-US" sz="2400" dirty="0"/>
+              <a:t>-d	 The directory in which the resource files are placed, </a:t>
+            </a:r>
+            <a:r>
+              <a:rPr lang="en-US" sz="2400" dirty="0" err="1"/>
+              <a:t>wsdl</a:t>
+            </a:r>
+            <a:r>
+              <a:rPr lang="en-US" sz="2400" dirty="0"/>
+              <a:t> file will be placed into this directory by default</a:t>
+            </a:r>
+          </a:p>
+          <a:p>
+            <a:pPr marL="0" indent="0">
+              <a:buNone/>
+            </a:pPr>
+            <a:r>
+              <a:rPr lang="en-US" sz="2400" dirty="0" err="1"/>
+              <a:t>classname</a:t>
+            </a:r>
+            <a:r>
+              <a:rPr lang="en-US" sz="2400" dirty="0"/>
+              <a:t>	 Specifies the name of the SEI class.</a:t>
+            </a:r>
+          </a:p>
+          <a:p>
+            <a:endParaRPr lang="en-US" sz="2400" dirty="0"/>
+          </a:p>
+        </p:txBody>
+      </p:sp>
+    </p:spTree>
+    <p:extLst>
+      <p:ext uri="{BB962C8B-B14F-4D97-AF65-F5344CB8AC3E}">
+        <p14:creationId xmlns:p14="http://schemas.microsoft.com/office/powerpoint/2010/main" val="2941074130"/>
+      </p:ext>
+    </p:extLst>
+  </p:cSld>
+  <p:clrMapOvr>
+    <a:masterClrMapping/>
+  </p:clrMapOvr>
+</p:sld>
+</file>
+
+<file path=ppt/slides/slide19.xml><?xml version="1.0" encoding="utf-8"?>
+<p:sld xmlns:a="http://schemas.openxmlformats.org/drawingml/2006/main" xmlns:r="http://schemas.openxmlformats.org/officeDocument/2006/relationships" xmlns:p="http://schemas.openxmlformats.org/presentationml/2006/main">
+  <p:cSld>
+    <p:spTree>
+      <p:nvGrpSpPr>
+        <p:cNvPr id="1" name=""/>
+        <p:cNvGrpSpPr/>
+        <p:nvPr/>
+      </p:nvGrpSpPr>
+      <p:grpSpPr>
+        <a:xfrm>
+          <a:off x="0" y="0"/>
+          <a:ext cx="0" cy="0"/>
+          <a:chOff x="0" y="0"/>
+          <a:chExt cx="0" cy="0"/>
+        </a:xfrm>
+      </p:grpSpPr>
+      <p:sp>
+        <p:nvSpPr>
+          <p:cNvPr id="2" name="Title 1"/>
+          <p:cNvSpPr>
+            <a:spLocks noGrp="1"/>
+          </p:cNvSpPr>
+          <p:nvPr>
+            <p:ph type="title"/>
+          </p:nvPr>
+        </p:nvSpPr>
+        <p:spPr/>
+        <p:txBody>
+          <a:bodyPr/>
+          <a:lstStyle/>
+          <a:p>
+            <a:r>
+              <a:rPr lang="en-US" dirty="0" smtClean="0"/>
+              <a:t>But you can ignore that!</a:t>
+            </a:r>
+            <a:endParaRPr lang="en-US" dirty="0"/>
+          </a:p>
+        </p:txBody>
+      </p:sp>
+      <p:pic>
+        <p:nvPicPr>
+          <p:cNvPr id="4" name="Picture 3"/>
+          <p:cNvPicPr/>
+          <p:nvPr/>
+        </p:nvPicPr>
+        <p:blipFill>
+          <a:blip r:embed="rId2">
+            <a:extLst>
+              <a:ext uri="{28A0092B-C50C-407E-A947-70E740481C1C}">
+                <a14:useLocalDpi xmlns:a14="http://schemas.microsoft.com/office/drawing/2010/main" val="0"/>
+              </a:ext>
+            </a:extLst>
+          </a:blip>
+          <a:srcRect/>
+          <a:stretch>
+            <a:fillRect/>
+          </a:stretch>
+        </p:blipFill>
+        <p:spPr bwMode="auto">
+          <a:xfrm>
+            <a:off x="1090043" y="1415414"/>
+            <a:ext cx="6669123" cy="5095853"/>
+          </a:xfrm>
+          <a:prstGeom prst="rect">
+            <a:avLst/>
+          </a:prstGeom>
+          <a:noFill/>
+          <a:ln>
+            <a:noFill/>
+          </a:ln>
+        </p:spPr>
+      </p:pic>
+    </p:spTree>
+    <p:extLst>
+      <p:ext uri="{BB962C8B-B14F-4D97-AF65-F5344CB8AC3E}">
+        <p14:creationId xmlns:p14="http://schemas.microsoft.com/office/powerpoint/2010/main" val="1206897151"/>
       </p:ext>
     </p:extLst>
   </p:cSld>
@@ -5426,6 +5734,1180 @@
     <p:extLst>
       <p:ext uri="{BB962C8B-B14F-4D97-AF65-F5344CB8AC3E}">
         <p14:creationId xmlns:p14="http://schemas.microsoft.com/office/powerpoint/2010/main" val="1168983827"/>
+      </p:ext>
+    </p:extLst>
+  </p:cSld>
+  <p:clrMapOvr>
+    <a:masterClrMapping/>
+  </p:clrMapOvr>
+</p:sld>
+</file>
+
+<file path=ppt/slides/slide20.xml><?xml version="1.0" encoding="utf-8"?>
+<p:sld xmlns:a="http://schemas.openxmlformats.org/drawingml/2006/main" xmlns:r="http://schemas.openxmlformats.org/officeDocument/2006/relationships" xmlns:p="http://schemas.openxmlformats.org/presentationml/2006/main">
+  <p:cSld>
+    <p:spTree>
+      <p:nvGrpSpPr>
+        <p:cNvPr id="1" name=""/>
+        <p:cNvGrpSpPr/>
+        <p:nvPr/>
+      </p:nvGrpSpPr>
+      <p:grpSpPr>
+        <a:xfrm>
+          <a:off x="0" y="0"/>
+          <a:ext cx="0" cy="0"/>
+          <a:chOff x="0" y="0"/>
+          <a:chExt cx="0" cy="0"/>
+        </a:xfrm>
+      </p:grpSpPr>
+      <p:sp>
+        <p:nvSpPr>
+          <p:cNvPr id="2" name="Title 1"/>
+          <p:cNvSpPr>
+            <a:spLocks noGrp="1"/>
+          </p:cNvSpPr>
+          <p:nvPr>
+            <p:ph type="title"/>
+          </p:nvPr>
+        </p:nvSpPr>
+        <p:spPr/>
+        <p:txBody>
+          <a:bodyPr/>
+          <a:lstStyle/>
+          <a:p>
+            <a:r>
+              <a:rPr lang="en-US" dirty="0" err="1" smtClean="0"/>
+              <a:t>HandlerChain</a:t>
+            </a:r>
+            <a:endParaRPr lang="en-US" dirty="0"/>
+          </a:p>
+        </p:txBody>
+      </p:sp>
+      <p:sp>
+        <p:nvSpPr>
+          <p:cNvPr id="3" name="Content Placeholder 2"/>
+          <p:cNvSpPr>
+            <a:spLocks noGrp="1"/>
+          </p:cNvSpPr>
+          <p:nvPr>
+            <p:ph idx="1"/>
+          </p:nvPr>
+        </p:nvSpPr>
+        <p:spPr/>
+        <p:txBody>
+          <a:bodyPr>
+            <a:normAutofit fontScale="47500" lnSpcReduction="20000"/>
+          </a:bodyPr>
+          <a:lstStyle/>
+          <a:p>
+            <a:pPr marL="0" indent="0">
+              <a:buNone/>
+            </a:pPr>
+            <a:r>
+              <a:rPr lang="en-US" sz="5900" dirty="0"/>
+              <a:t>@</a:t>
+            </a:r>
+            <a:r>
+              <a:rPr lang="en-US" sz="5900" dirty="0" err="1"/>
+              <a:t>HandlerChain</a:t>
+            </a:r>
+            <a:r>
+              <a:rPr lang="en-US" sz="5900" dirty="0"/>
+              <a:t>(file = "</a:t>
+            </a:r>
+            <a:r>
+              <a:rPr lang="en-US" sz="5900" dirty="0" err="1"/>
+              <a:t>handlers.xml</a:t>
+            </a:r>
+            <a:r>
+              <a:rPr lang="en-US" sz="5900" dirty="0"/>
+              <a:t>"</a:t>
+            </a:r>
+            <a:r>
+              <a:rPr lang="en-US" sz="5900" dirty="0" smtClean="0"/>
+              <a:t>)</a:t>
+            </a:r>
+          </a:p>
+          <a:p>
+            <a:pPr marL="0" indent="0">
+              <a:buNone/>
+            </a:pPr>
+            <a:endParaRPr lang="en-US" dirty="0"/>
+          </a:p>
+          <a:p>
+            <a:pPr marL="0" indent="0">
+              <a:buNone/>
+            </a:pPr>
+            <a:r>
+              <a:rPr lang="en-US" dirty="0" err="1" smtClean="0"/>
+              <a:t>Handlers.xml</a:t>
+            </a:r>
+            <a:endParaRPr lang="en-US" dirty="0" smtClean="0"/>
+          </a:p>
+          <a:p>
+            <a:pPr marL="0" indent="0">
+              <a:buNone/>
+            </a:pPr>
+            <a:r>
+              <a:rPr lang="en-US" dirty="0">
+                <a:latin typeface="Lucida Console"/>
+                <a:cs typeface="Lucida Console"/>
+              </a:rPr>
+              <a:t>&lt;?xml version="1.0" encoding="UTF-8"?&gt;</a:t>
+            </a:r>
+          </a:p>
+          <a:p>
+            <a:pPr marL="0" indent="0">
+              <a:buNone/>
+            </a:pPr>
+            <a:r>
+              <a:rPr lang="en-US" dirty="0">
+                <a:latin typeface="Lucida Console"/>
+                <a:cs typeface="Lucida Console"/>
+              </a:rPr>
+              <a:t>&lt;handler-chains </a:t>
+            </a:r>
+            <a:r>
+              <a:rPr lang="en-US" dirty="0" err="1">
+                <a:latin typeface="Lucida Console"/>
+                <a:cs typeface="Lucida Console"/>
+              </a:rPr>
+              <a:t>xmlns</a:t>
+            </a:r>
+            <a:r>
+              <a:rPr lang="en-US" dirty="0">
+                <a:latin typeface="Lucida Console"/>
+                <a:cs typeface="Lucida Console"/>
+              </a:rPr>
+              <a:t>="http://</a:t>
+            </a:r>
+            <a:r>
+              <a:rPr lang="en-US" dirty="0" err="1">
+                <a:latin typeface="Lucida Console"/>
+                <a:cs typeface="Lucida Console"/>
+              </a:rPr>
+              <a:t>java.sun.com</a:t>
+            </a:r>
+            <a:r>
+              <a:rPr lang="en-US" dirty="0">
+                <a:latin typeface="Lucida Console"/>
+                <a:cs typeface="Lucida Console"/>
+              </a:rPr>
+              <a:t>/xml/ns/</a:t>
+            </a:r>
+            <a:r>
+              <a:rPr lang="en-US" dirty="0" err="1">
+                <a:latin typeface="Lucida Console"/>
+                <a:cs typeface="Lucida Console"/>
+              </a:rPr>
+              <a:t>javaee</a:t>
+            </a:r>
+            <a:r>
+              <a:rPr lang="en-US" dirty="0">
+                <a:latin typeface="Lucida Console"/>
+                <a:cs typeface="Lucida Console"/>
+              </a:rPr>
+              <a:t>"&gt;</a:t>
+            </a:r>
+          </a:p>
+          <a:p>
+            <a:pPr marL="0" indent="0">
+              <a:buNone/>
+            </a:pPr>
+            <a:r>
+              <a:rPr lang="en-US" dirty="0">
+                <a:latin typeface="Lucida Console"/>
+                <a:cs typeface="Lucida Console"/>
+              </a:rPr>
+              <a:t>  &lt;handler-chain&gt;</a:t>
+            </a:r>
+          </a:p>
+          <a:p>
+            <a:pPr marL="0" indent="0">
+              <a:buNone/>
+            </a:pPr>
+            <a:r>
+              <a:rPr lang="en-US" dirty="0">
+                <a:latin typeface="Lucida Console"/>
+                <a:cs typeface="Lucida Console"/>
+              </a:rPr>
+              <a:t>    &lt;handler&gt;</a:t>
+            </a:r>
+          </a:p>
+          <a:p>
+            <a:pPr marL="0" indent="0">
+              <a:buNone/>
+            </a:pPr>
+            <a:r>
+              <a:rPr lang="en-US" dirty="0">
+                <a:latin typeface="Lucida Console"/>
+                <a:cs typeface="Lucida Console"/>
+              </a:rPr>
+              <a:t>      &lt;handler-name</a:t>
+            </a:r>
+            <a:r>
+              <a:rPr lang="en-US" dirty="0" smtClean="0">
+                <a:latin typeface="Lucida Console"/>
+                <a:cs typeface="Lucida Console"/>
+              </a:rPr>
+              <a:t>&gt;Transform&lt;</a:t>
+            </a:r>
+            <a:r>
+              <a:rPr lang="en-US" dirty="0">
+                <a:latin typeface="Lucida Console"/>
+                <a:cs typeface="Lucida Console"/>
+              </a:rPr>
+              <a:t>/handler-name&gt;</a:t>
+            </a:r>
+          </a:p>
+          <a:p>
+            <a:pPr marL="0" indent="0">
+              <a:buNone/>
+            </a:pPr>
+            <a:r>
+              <a:rPr lang="en-US" dirty="0">
+                <a:latin typeface="Lucida Console"/>
+                <a:cs typeface="Lucida Console"/>
+              </a:rPr>
+              <a:t>      &lt;handler-class&gt;</a:t>
+            </a:r>
+            <a:r>
+              <a:rPr lang="en-US" dirty="0" err="1" smtClean="0">
+                <a:latin typeface="Lucida Console"/>
+                <a:cs typeface="Lucida Console"/>
+              </a:rPr>
+              <a:t>org.freo.jaxws.handlers.Transform</a:t>
+            </a:r>
+            <a:r>
+              <a:rPr lang="en-US" dirty="0" smtClean="0">
+                <a:latin typeface="Lucida Console"/>
+                <a:cs typeface="Lucida Console"/>
+              </a:rPr>
+              <a:t>&lt;</a:t>
+            </a:r>
+            <a:r>
+              <a:rPr lang="en-US" dirty="0">
+                <a:latin typeface="Lucida Console"/>
+                <a:cs typeface="Lucida Console"/>
+              </a:rPr>
+              <a:t>/handler-class&gt;</a:t>
+            </a:r>
+          </a:p>
+          <a:p>
+            <a:pPr marL="0" indent="0">
+              <a:buNone/>
+            </a:pPr>
+            <a:r>
+              <a:rPr lang="en-US" dirty="0">
+                <a:latin typeface="Lucida Console"/>
+                <a:cs typeface="Lucida Console"/>
+              </a:rPr>
+              <a:t>    &lt;/handler&gt;</a:t>
+            </a:r>
+          </a:p>
+          <a:p>
+            <a:pPr marL="0" indent="0">
+              <a:buNone/>
+            </a:pPr>
+            <a:r>
+              <a:rPr lang="en-US" dirty="0">
+                <a:latin typeface="Lucida Console"/>
+                <a:cs typeface="Lucida Console"/>
+              </a:rPr>
+              <a:t>    &lt;handler&gt;</a:t>
+            </a:r>
+          </a:p>
+          <a:p>
+            <a:pPr marL="0" indent="0">
+              <a:buNone/>
+            </a:pPr>
+            <a:r>
+              <a:rPr lang="en-US" dirty="0">
+                <a:latin typeface="Lucida Console"/>
+                <a:cs typeface="Lucida Console"/>
+              </a:rPr>
+              <a:t>      &lt;handler-name</a:t>
+            </a:r>
+            <a:r>
+              <a:rPr lang="en-US" dirty="0" smtClean="0">
+                <a:latin typeface="Lucida Console"/>
+                <a:cs typeface="Lucida Console"/>
+              </a:rPr>
+              <a:t>&gt;Log&lt;</a:t>
+            </a:r>
+            <a:r>
+              <a:rPr lang="en-US" dirty="0">
+                <a:latin typeface="Lucida Console"/>
+                <a:cs typeface="Lucida Console"/>
+              </a:rPr>
+              <a:t>/handler-name&gt;</a:t>
+            </a:r>
+          </a:p>
+          <a:p>
+            <a:pPr marL="0" indent="0">
+              <a:buNone/>
+            </a:pPr>
+            <a:r>
+              <a:rPr lang="en-US" dirty="0">
+                <a:latin typeface="Lucida Console"/>
+                <a:cs typeface="Lucida Console"/>
+              </a:rPr>
+              <a:t>      &lt;handler-class&gt;</a:t>
+            </a:r>
+            <a:r>
+              <a:rPr lang="en-US" dirty="0" err="1" smtClean="0">
+                <a:latin typeface="Lucida Console"/>
+                <a:cs typeface="Lucida Console"/>
+              </a:rPr>
+              <a:t>org.freo.jaxws.handlers.Logger</a:t>
+            </a:r>
+            <a:r>
+              <a:rPr lang="en-US" dirty="0" smtClean="0">
+                <a:latin typeface="Lucida Console"/>
+                <a:cs typeface="Lucida Console"/>
+              </a:rPr>
+              <a:t>&lt;</a:t>
+            </a:r>
+            <a:r>
+              <a:rPr lang="en-US" dirty="0">
+                <a:latin typeface="Lucida Console"/>
+                <a:cs typeface="Lucida Console"/>
+              </a:rPr>
+              <a:t>/handler-class&gt;</a:t>
+            </a:r>
+          </a:p>
+          <a:p>
+            <a:pPr marL="0" indent="0">
+              <a:buNone/>
+            </a:pPr>
+            <a:r>
+              <a:rPr lang="en-US" dirty="0">
+                <a:latin typeface="Lucida Console"/>
+                <a:cs typeface="Lucida Console"/>
+              </a:rPr>
+              <a:t>    &lt;/handler&gt;</a:t>
+            </a:r>
+          </a:p>
+          <a:p>
+            <a:pPr marL="0" indent="0">
+              <a:buNone/>
+            </a:pPr>
+            <a:r>
+              <a:rPr lang="en-US" dirty="0">
+                <a:latin typeface="Lucida Console"/>
+                <a:cs typeface="Lucida Console"/>
+              </a:rPr>
+              <a:t>  &lt;/handler-chain&gt;</a:t>
+            </a:r>
+          </a:p>
+          <a:p>
+            <a:pPr marL="0" indent="0">
+              <a:buNone/>
+            </a:pPr>
+            <a:r>
+              <a:rPr lang="en-US" dirty="0">
+                <a:latin typeface="Lucida Console"/>
+                <a:cs typeface="Lucida Console"/>
+              </a:rPr>
+              <a:t>&lt;/handler-chains&gt;</a:t>
+            </a:r>
+          </a:p>
+        </p:txBody>
+      </p:sp>
+    </p:spTree>
+    <p:extLst>
+      <p:ext uri="{BB962C8B-B14F-4D97-AF65-F5344CB8AC3E}">
+        <p14:creationId xmlns:p14="http://schemas.microsoft.com/office/powerpoint/2010/main" val="1556069200"/>
+      </p:ext>
+    </p:extLst>
+  </p:cSld>
+  <p:clrMapOvr>
+    <a:masterClrMapping/>
+  </p:clrMapOvr>
+</p:sld>
+</file>
+
+<file path=ppt/slides/slide21.xml><?xml version="1.0" encoding="utf-8"?>
+<p:sld xmlns:a="http://schemas.openxmlformats.org/drawingml/2006/main" xmlns:r="http://schemas.openxmlformats.org/officeDocument/2006/relationships" xmlns:p="http://schemas.openxmlformats.org/presentationml/2006/main">
+  <p:cSld>
+    <p:spTree>
+      <p:nvGrpSpPr>
+        <p:cNvPr id="1" name=""/>
+        <p:cNvGrpSpPr/>
+        <p:nvPr/>
+      </p:nvGrpSpPr>
+      <p:grpSpPr>
+        <a:xfrm>
+          <a:off x="0" y="0"/>
+          <a:ext cx="0" cy="0"/>
+          <a:chOff x="0" y="0"/>
+          <a:chExt cx="0" cy="0"/>
+        </a:xfrm>
+      </p:grpSpPr>
+      <p:sp>
+        <p:nvSpPr>
+          <p:cNvPr id="2" name="Title 1"/>
+          <p:cNvSpPr>
+            <a:spLocks noGrp="1"/>
+          </p:cNvSpPr>
+          <p:nvPr>
+            <p:ph type="title"/>
+          </p:nvPr>
+        </p:nvSpPr>
+        <p:spPr/>
+        <p:txBody>
+          <a:bodyPr/>
+          <a:lstStyle/>
+          <a:p>
+            <a:r>
+              <a:rPr lang="en-US" dirty="0" smtClean="0"/>
+              <a:t>WSDL first</a:t>
+            </a:r>
+            <a:endParaRPr lang="en-US" dirty="0"/>
+          </a:p>
+        </p:txBody>
+      </p:sp>
+      <p:sp>
+        <p:nvSpPr>
+          <p:cNvPr id="3" name="Content Placeholder 2"/>
+          <p:cNvSpPr>
+            <a:spLocks noGrp="1"/>
+          </p:cNvSpPr>
+          <p:nvPr>
+            <p:ph idx="1"/>
+          </p:nvPr>
+        </p:nvSpPr>
+        <p:spPr/>
+        <p:txBody>
+          <a:bodyPr>
+            <a:normAutofit lnSpcReduction="10000"/>
+          </a:bodyPr>
+          <a:lstStyle/>
+          <a:p>
+            <a:r>
+              <a:rPr lang="en-US" dirty="0" smtClean="0"/>
+              <a:t>Again there is a tool for this</a:t>
+            </a:r>
+          </a:p>
+          <a:p>
+            <a:r>
+              <a:rPr lang="en-US" dirty="0" smtClean="0"/>
+              <a:t>You might want to create a service</a:t>
+            </a:r>
+          </a:p>
+          <a:p>
+            <a:pPr lvl="1"/>
+            <a:r>
+              <a:rPr lang="en-US" dirty="0" smtClean="0"/>
+              <a:t>Contract-first (design the WSDL, then implement)</a:t>
+            </a:r>
+          </a:p>
+          <a:p>
+            <a:pPr lvl="1"/>
+            <a:r>
+              <a:rPr lang="en-US" dirty="0" smtClean="0"/>
+              <a:t>Implement a standard WSDL </a:t>
+            </a:r>
+          </a:p>
+          <a:p>
+            <a:pPr lvl="1"/>
+            <a:r>
+              <a:rPr lang="en-US" dirty="0" smtClean="0"/>
+              <a:t>Re-architect an existing service</a:t>
+            </a:r>
+          </a:p>
+          <a:p>
+            <a:pPr lvl="1"/>
+            <a:r>
+              <a:rPr lang="en-US" dirty="0" smtClean="0"/>
+              <a:t>Copy a competitor’s service (though this is a thorny issue!)</a:t>
+            </a:r>
+          </a:p>
+          <a:p>
+            <a:r>
+              <a:rPr lang="en-US" dirty="0" smtClean="0"/>
+              <a:t>Very likely you need to call a service</a:t>
+            </a:r>
+            <a:endParaRPr lang="en-US" dirty="0"/>
+          </a:p>
+        </p:txBody>
+      </p:sp>
+    </p:spTree>
+    <p:extLst>
+      <p:ext uri="{BB962C8B-B14F-4D97-AF65-F5344CB8AC3E}">
+        <p14:creationId xmlns:p14="http://schemas.microsoft.com/office/powerpoint/2010/main" val="898525374"/>
+      </p:ext>
+    </p:extLst>
+  </p:cSld>
+  <p:clrMapOvr>
+    <a:masterClrMapping/>
+  </p:clrMapOvr>
+</p:sld>
+</file>
+
+<file path=ppt/slides/slide22.xml><?xml version="1.0" encoding="utf-8"?>
+<p:sld xmlns:a="http://schemas.openxmlformats.org/drawingml/2006/main" xmlns:r="http://schemas.openxmlformats.org/officeDocument/2006/relationships" xmlns:p="http://schemas.openxmlformats.org/presentationml/2006/main">
+  <p:cSld>
+    <p:spTree>
+      <p:nvGrpSpPr>
+        <p:cNvPr id="1" name=""/>
+        <p:cNvGrpSpPr/>
+        <p:nvPr/>
+      </p:nvGrpSpPr>
+      <p:grpSpPr>
+        <a:xfrm>
+          <a:off x="0" y="0"/>
+          <a:ext cx="0" cy="0"/>
+          <a:chOff x="0" y="0"/>
+          <a:chExt cx="0" cy="0"/>
+        </a:xfrm>
+      </p:grpSpPr>
+      <p:sp>
+        <p:nvSpPr>
+          <p:cNvPr id="2" name="Title 1"/>
+          <p:cNvSpPr>
+            <a:spLocks noGrp="1"/>
+          </p:cNvSpPr>
+          <p:nvPr>
+            <p:ph type="title"/>
+          </p:nvPr>
+        </p:nvSpPr>
+        <p:spPr/>
+        <p:txBody>
+          <a:bodyPr/>
+          <a:lstStyle/>
+          <a:p>
+            <a:r>
+              <a:rPr lang="en-US" dirty="0" smtClean="0"/>
+              <a:t>WSDL2Java</a:t>
+            </a:r>
+            <a:endParaRPr lang="en-US" dirty="0"/>
+          </a:p>
+        </p:txBody>
+      </p:sp>
+      <p:sp>
+        <p:nvSpPr>
+          <p:cNvPr id="3" name="Content Placeholder 2"/>
+          <p:cNvSpPr>
+            <a:spLocks noGrp="1"/>
+          </p:cNvSpPr>
+          <p:nvPr>
+            <p:ph idx="1"/>
+          </p:nvPr>
+        </p:nvSpPr>
+        <p:spPr/>
+        <p:txBody>
+          <a:bodyPr>
+            <a:normAutofit fontScale="55000" lnSpcReduction="20000"/>
+          </a:bodyPr>
+          <a:lstStyle/>
+          <a:p>
+            <a:pPr marL="0" indent="0">
+              <a:buNone/>
+            </a:pPr>
+            <a:r>
+              <a:rPr lang="en-US" dirty="0"/>
+              <a:t>wsdl2java -</a:t>
+            </a:r>
+            <a:r>
+              <a:rPr lang="en-US" dirty="0" err="1"/>
+              <a:t>fe</a:t>
+            </a:r>
+            <a:r>
+              <a:rPr lang="en-US" dirty="0"/>
+              <a:t>|-frontend &lt;front-end-name&gt; -</a:t>
+            </a:r>
+            <a:r>
+              <a:rPr lang="en-US" dirty="0" err="1"/>
+              <a:t>db</a:t>
+            </a:r>
+            <a:r>
+              <a:rPr lang="en-US" dirty="0"/>
+              <a:t>|-</a:t>
+            </a:r>
+            <a:r>
+              <a:rPr lang="en-US" dirty="0" err="1"/>
+              <a:t>databinding</a:t>
+            </a:r>
+            <a:r>
+              <a:rPr lang="en-US" dirty="0"/>
+              <a:t> &lt;data-binding-name&gt; </a:t>
+            </a:r>
+          </a:p>
+          <a:p>
+            <a:pPr marL="0" indent="0">
+              <a:buNone/>
+            </a:pPr>
+            <a:r>
+              <a:rPr lang="en-US" dirty="0"/>
+              <a:t>-</a:t>
+            </a:r>
+            <a:r>
+              <a:rPr lang="en-US" dirty="0" err="1"/>
+              <a:t>wv</a:t>
+            </a:r>
+            <a:r>
+              <a:rPr lang="en-US" dirty="0"/>
+              <a:t> &lt;</a:t>
+            </a:r>
+            <a:r>
+              <a:rPr lang="en-US" dirty="0" err="1"/>
+              <a:t>wsdl</a:t>
+            </a:r>
+            <a:r>
+              <a:rPr lang="en-US" dirty="0"/>
+              <a:t>-version&gt; -p &lt;[</a:t>
+            </a:r>
+            <a:r>
+              <a:rPr lang="en-US" dirty="0" err="1"/>
+              <a:t>wsdl</a:t>
+            </a:r>
+            <a:r>
+              <a:rPr lang="en-US" dirty="0"/>
+              <a:t>-namespace =]package-name&gt;* -</a:t>
+            </a:r>
+            <a:r>
+              <a:rPr lang="en-US" dirty="0" err="1"/>
+              <a:t>sn</a:t>
+            </a:r>
+            <a:r>
+              <a:rPr lang="en-US" dirty="0"/>
+              <a:t> &lt;service-name&gt; </a:t>
+            </a:r>
+          </a:p>
+          <a:p>
+            <a:pPr marL="0" indent="0">
+              <a:buNone/>
+            </a:pPr>
+            <a:r>
+              <a:rPr lang="en-US" dirty="0"/>
+              <a:t>-b &lt;binding-file-name&gt;* -</a:t>
+            </a:r>
+            <a:r>
+              <a:rPr lang="en-US" dirty="0" err="1"/>
+              <a:t>reserveClass</a:t>
+            </a:r>
+            <a:r>
+              <a:rPr lang="en-US" dirty="0"/>
+              <a:t> &lt;class-name&gt;* -catalog &lt;catalog-file-name&gt; </a:t>
+            </a:r>
+          </a:p>
+          <a:p>
+            <a:pPr marL="0" indent="0">
+              <a:buNone/>
+            </a:pPr>
+            <a:r>
+              <a:rPr lang="en-US" dirty="0"/>
+              <a:t>-d &lt;output-directory&gt; -compile -</a:t>
+            </a:r>
+            <a:r>
+              <a:rPr lang="en-US" dirty="0" err="1"/>
+              <a:t>classdir</a:t>
+            </a:r>
+            <a:r>
+              <a:rPr lang="en-US" dirty="0"/>
+              <a:t> &lt;compile-classes-directory&gt; -</a:t>
+            </a:r>
+            <a:r>
+              <a:rPr lang="en-US" dirty="0" err="1"/>
+              <a:t>impl</a:t>
+            </a:r>
+            <a:r>
+              <a:rPr lang="en-US" dirty="0"/>
+              <a:t> -server</a:t>
+            </a:r>
+          </a:p>
+          <a:p>
+            <a:pPr marL="0" indent="0">
+              <a:buNone/>
+            </a:pPr>
+            <a:r>
+              <a:rPr lang="en-US" dirty="0"/>
+              <a:t>-client -all -</a:t>
+            </a:r>
+            <a:r>
+              <a:rPr lang="en-US" dirty="0" err="1"/>
+              <a:t>autoNameResolution</a:t>
+            </a:r>
+            <a:r>
+              <a:rPr lang="en-US" dirty="0"/>
+              <a:t> -</a:t>
+            </a:r>
+            <a:r>
+              <a:rPr lang="en-US" dirty="0" err="1"/>
+              <a:t>allowElementReferences</a:t>
+            </a:r>
+            <a:r>
+              <a:rPr lang="en-US" dirty="0"/>
+              <a:t>|-</a:t>
+            </a:r>
+            <a:r>
+              <a:rPr lang="en-US" dirty="0" err="1"/>
+              <a:t>aer</a:t>
+            </a:r>
+            <a:r>
+              <a:rPr lang="en-US" dirty="0"/>
+              <a:t>&lt;=true&gt; </a:t>
+            </a:r>
+          </a:p>
+          <a:p>
+            <a:pPr marL="0" indent="0">
+              <a:buNone/>
+            </a:pPr>
+            <a:r>
+              <a:rPr lang="en-US" dirty="0"/>
+              <a:t>-</a:t>
+            </a:r>
+            <a:r>
+              <a:rPr lang="en-US" dirty="0" err="1"/>
+              <a:t>defaultValues</a:t>
+            </a:r>
+            <a:r>
+              <a:rPr lang="en-US" dirty="0"/>
+              <a:t>&lt;=class-name-for-</a:t>
+            </a:r>
+            <a:r>
+              <a:rPr lang="en-US" dirty="0" err="1"/>
+              <a:t>DefaultValueProvider</a:t>
+            </a:r>
+            <a:r>
+              <a:rPr lang="en-US" dirty="0"/>
+              <a:t>&gt; -ant </a:t>
+            </a:r>
+          </a:p>
+          <a:p>
+            <a:pPr marL="0" indent="0">
+              <a:buNone/>
+            </a:pPr>
+            <a:r>
+              <a:rPr lang="en-US" dirty="0"/>
+              <a:t>-</a:t>
+            </a:r>
+            <a:r>
+              <a:rPr lang="en-US" dirty="0" err="1"/>
+              <a:t>nexclude</a:t>
+            </a:r>
+            <a:r>
+              <a:rPr lang="en-US" dirty="0"/>
+              <a:t> &lt;schema-namespace [= java-package-name]&gt;* -</a:t>
+            </a:r>
+            <a:r>
+              <a:rPr lang="en-US" dirty="0" err="1"/>
+              <a:t>exsh</a:t>
+            </a:r>
+            <a:r>
+              <a:rPr lang="en-US" dirty="0"/>
+              <a:t> &lt;(true, false)&gt; -</a:t>
+            </a:r>
+            <a:r>
+              <a:rPr lang="en-US" dirty="0" err="1"/>
+              <a:t>noTypes</a:t>
+            </a:r>
+            <a:endParaRPr lang="en-US" dirty="0"/>
+          </a:p>
+          <a:p>
+            <a:pPr marL="0" indent="0">
+              <a:buNone/>
+            </a:pPr>
+            <a:r>
+              <a:rPr lang="en-US" dirty="0"/>
+              <a:t>-</a:t>
+            </a:r>
+            <a:r>
+              <a:rPr lang="en-US" dirty="0" err="1"/>
+              <a:t>dns</a:t>
+            </a:r>
+            <a:r>
+              <a:rPr lang="en-US" dirty="0"/>
+              <a:t> &lt;(true, false&gt; -</a:t>
+            </a:r>
+            <a:r>
+              <a:rPr lang="en-US" dirty="0" err="1"/>
+              <a:t>dex</a:t>
+            </a:r>
+            <a:r>
+              <a:rPr lang="en-US" dirty="0"/>
+              <a:t> &lt;(true, false)&gt; -validate -keep </a:t>
+            </a:r>
+          </a:p>
+          <a:p>
+            <a:pPr marL="0" indent="0">
+              <a:buNone/>
+            </a:pPr>
+            <a:r>
+              <a:rPr lang="en-US" dirty="0"/>
+              <a:t>-</a:t>
+            </a:r>
+            <a:r>
+              <a:rPr lang="en-US" dirty="0" err="1"/>
+              <a:t>wsdlLocation</a:t>
+            </a:r>
+            <a:r>
+              <a:rPr lang="en-US" dirty="0"/>
+              <a:t> &lt;</a:t>
+            </a:r>
+            <a:r>
+              <a:rPr lang="en-US" dirty="0" err="1"/>
+              <a:t>wsdlLocation</a:t>
+            </a:r>
+            <a:r>
+              <a:rPr lang="en-US" dirty="0"/>
+              <a:t>&gt; -</a:t>
+            </a:r>
+            <a:r>
+              <a:rPr lang="en-US" dirty="0" err="1"/>
+              <a:t>xjc</a:t>
+            </a:r>
+            <a:r>
+              <a:rPr lang="en-US" dirty="0"/>
+              <a:t>&lt;</a:t>
+            </a:r>
+            <a:r>
+              <a:rPr lang="en-US" dirty="0" err="1"/>
+              <a:t>xjc</a:t>
+            </a:r>
+            <a:r>
+              <a:rPr lang="en-US" dirty="0"/>
+              <a:t>-arguments&gt;* -</a:t>
+            </a:r>
+            <a:r>
+              <a:rPr lang="en-US" dirty="0" err="1"/>
+              <a:t>asyncMethods</a:t>
+            </a:r>
+            <a:r>
+              <a:rPr lang="en-US" dirty="0"/>
+              <a:t>&lt;[=method1,method2,...]&gt;* </a:t>
+            </a:r>
+          </a:p>
+          <a:p>
+            <a:pPr marL="0" indent="0">
+              <a:buNone/>
+            </a:pPr>
+            <a:r>
+              <a:rPr lang="en-US" dirty="0"/>
+              <a:t>-</a:t>
+            </a:r>
+            <a:r>
+              <a:rPr lang="en-US" dirty="0" err="1"/>
+              <a:t>bareMethods</a:t>
+            </a:r>
+            <a:r>
+              <a:rPr lang="en-US" dirty="0"/>
+              <a:t>&lt;[=method1,method2,...]&gt;* -</a:t>
+            </a:r>
+            <a:r>
+              <a:rPr lang="en-US" dirty="0" err="1"/>
+              <a:t>mimeMethods</a:t>
+            </a:r>
+            <a:r>
+              <a:rPr lang="en-US" dirty="0"/>
+              <a:t>&lt;[=method1,method2,...]&gt;* -</a:t>
+            </a:r>
+            <a:r>
+              <a:rPr lang="en-US" dirty="0" err="1"/>
+              <a:t>noAddressBinding</a:t>
+            </a:r>
+            <a:r>
+              <a:rPr lang="en-US" dirty="0"/>
+              <a:t> </a:t>
+            </a:r>
+          </a:p>
+          <a:p>
+            <a:pPr marL="0" indent="0">
+              <a:buNone/>
+            </a:pPr>
+            <a:r>
+              <a:rPr lang="en-US" dirty="0"/>
+              <a:t>-</a:t>
+            </a:r>
+            <a:r>
+              <a:rPr lang="en-US" dirty="0" err="1"/>
+              <a:t>faultSerialVersionUID</a:t>
+            </a:r>
+            <a:r>
+              <a:rPr lang="en-US" dirty="0"/>
+              <a:t> &lt;fault-</a:t>
+            </a:r>
+            <a:r>
+              <a:rPr lang="en-US" dirty="0" err="1"/>
+              <a:t>serialVersionUID</a:t>
+            </a:r>
+            <a:r>
+              <a:rPr lang="en-US" dirty="0"/>
+              <a:t>&gt; -</a:t>
+            </a:r>
+            <a:r>
+              <a:rPr lang="en-US" dirty="0" err="1"/>
+              <a:t>exceptionSuper</a:t>
+            </a:r>
+            <a:r>
+              <a:rPr lang="en-US" dirty="0"/>
+              <a:t> &lt;</a:t>
+            </a:r>
+            <a:r>
+              <a:rPr lang="en-US" dirty="0" err="1"/>
+              <a:t>exceptionSuper</a:t>
+            </a:r>
+            <a:r>
+              <a:rPr lang="en-US" dirty="0"/>
+              <a:t>&gt; </a:t>
+            </a:r>
+          </a:p>
+          <a:p>
+            <a:pPr marL="0" indent="0">
+              <a:buNone/>
+            </a:pPr>
+            <a:r>
+              <a:rPr lang="en-US" dirty="0"/>
+              <a:t>-mark-generated -h|-?|-help -version|-v -verbose|-V -quiet|-q|-Q -</a:t>
+            </a:r>
+            <a:r>
+              <a:rPr lang="en-US" dirty="0" err="1"/>
+              <a:t>wsdlList</a:t>
+            </a:r>
+            <a:r>
+              <a:rPr lang="en-US" dirty="0"/>
+              <a:t> &lt;</a:t>
+            </a:r>
+            <a:r>
+              <a:rPr lang="en-US" dirty="0" err="1"/>
+              <a:t>wsdlurl</a:t>
+            </a:r>
+            <a:r>
+              <a:rPr lang="en-US" dirty="0"/>
+              <a:t>&gt;</a:t>
+            </a:r>
+          </a:p>
+        </p:txBody>
+      </p:sp>
+    </p:spTree>
+    <p:extLst>
+      <p:ext uri="{BB962C8B-B14F-4D97-AF65-F5344CB8AC3E}">
+        <p14:creationId xmlns:p14="http://schemas.microsoft.com/office/powerpoint/2010/main" val="758731659"/>
+      </p:ext>
+    </p:extLst>
+  </p:cSld>
+  <p:clrMapOvr>
+    <a:masterClrMapping/>
+  </p:clrMapOvr>
+</p:sld>
+</file>
+
+<file path=ppt/slides/slide23.xml><?xml version="1.0" encoding="utf-8"?>
+<p:sld xmlns:a="http://schemas.openxmlformats.org/drawingml/2006/main" xmlns:r="http://schemas.openxmlformats.org/officeDocument/2006/relationships" xmlns:p="http://schemas.openxmlformats.org/presentationml/2006/main">
+  <p:cSld>
+    <p:spTree>
+      <p:nvGrpSpPr>
+        <p:cNvPr id="1" name=""/>
+        <p:cNvGrpSpPr/>
+        <p:nvPr/>
+      </p:nvGrpSpPr>
+      <p:grpSpPr>
+        <a:xfrm>
+          <a:off x="0" y="0"/>
+          <a:ext cx="0" cy="0"/>
+          <a:chOff x="0" y="0"/>
+          <a:chExt cx="0" cy="0"/>
+        </a:xfrm>
+      </p:grpSpPr>
+      <p:sp>
+        <p:nvSpPr>
+          <p:cNvPr id="2" name="Title 1"/>
+          <p:cNvSpPr>
+            <a:spLocks noGrp="1"/>
+          </p:cNvSpPr>
+          <p:nvPr>
+            <p:ph type="title"/>
+          </p:nvPr>
+        </p:nvSpPr>
+        <p:spPr/>
+        <p:txBody>
+          <a:bodyPr>
+            <a:normAutofit fontScale="90000"/>
+          </a:bodyPr>
+          <a:lstStyle/>
+          <a:p>
+            <a:r>
+              <a:rPr lang="en-US" dirty="0" smtClean="0"/>
+              <a:t>Again do this via the Eclipse tooling!</a:t>
+            </a:r>
+            <a:endParaRPr lang="en-US" dirty="0"/>
+          </a:p>
+        </p:txBody>
+      </p:sp>
+      <p:pic>
+        <p:nvPicPr>
+          <p:cNvPr id="4" name="Picture 3"/>
+          <p:cNvPicPr>
+            <a:picLocks noChangeAspect="1"/>
+          </p:cNvPicPr>
+          <p:nvPr/>
+        </p:nvPicPr>
+        <p:blipFill rotWithShape="1">
+          <a:blip r:embed="rId2"/>
+          <a:srcRect l="31930" t="14719" r="32309" b="24813"/>
+          <a:stretch/>
+        </p:blipFill>
+        <p:spPr>
+          <a:xfrm>
+            <a:off x="2175143" y="1226336"/>
+            <a:ext cx="4715245" cy="4589249"/>
+          </a:xfrm>
+          <a:prstGeom prst="rect">
+            <a:avLst/>
+          </a:prstGeom>
+        </p:spPr>
+      </p:pic>
+    </p:spTree>
+    <p:extLst>
+      <p:ext uri="{BB962C8B-B14F-4D97-AF65-F5344CB8AC3E}">
+        <p14:creationId xmlns:p14="http://schemas.microsoft.com/office/powerpoint/2010/main" val="3125813897"/>
+      </p:ext>
+    </p:extLst>
+  </p:cSld>
+  <p:clrMapOvr>
+    <a:masterClrMapping/>
+  </p:clrMapOvr>
+</p:sld>
+</file>
+
+<file path=ppt/slides/slide24.xml><?xml version="1.0" encoding="utf-8"?>
+<p:sld xmlns:a="http://schemas.openxmlformats.org/drawingml/2006/main" xmlns:r="http://schemas.openxmlformats.org/officeDocument/2006/relationships" xmlns:p="http://schemas.openxmlformats.org/presentationml/2006/main">
+  <p:cSld>
+    <p:spTree>
+      <p:nvGrpSpPr>
+        <p:cNvPr id="1" name=""/>
+        <p:cNvGrpSpPr/>
+        <p:nvPr/>
+      </p:nvGrpSpPr>
+      <p:grpSpPr>
+        <a:xfrm>
+          <a:off x="0" y="0"/>
+          <a:ext cx="0" cy="0"/>
+          <a:chOff x="0" y="0"/>
+          <a:chExt cx="0" cy="0"/>
+        </a:xfrm>
+      </p:grpSpPr>
+      <p:sp>
+        <p:nvSpPr>
+          <p:cNvPr id="2" name="Title 1"/>
+          <p:cNvSpPr>
+            <a:spLocks noGrp="1"/>
+          </p:cNvSpPr>
+          <p:nvPr>
+            <p:ph type="title"/>
+          </p:nvPr>
+        </p:nvSpPr>
+        <p:spPr/>
+        <p:txBody>
+          <a:bodyPr/>
+          <a:lstStyle/>
+          <a:p>
+            <a:r>
+              <a:rPr lang="en-US" dirty="0" smtClean="0"/>
+              <a:t>Resources</a:t>
+            </a:r>
+            <a:endParaRPr lang="en-US" dirty="0"/>
+          </a:p>
+        </p:txBody>
+      </p:sp>
+      <p:sp>
+        <p:nvSpPr>
+          <p:cNvPr id="3" name="Content Placeholder 2"/>
+          <p:cNvSpPr>
+            <a:spLocks noGrp="1"/>
+          </p:cNvSpPr>
+          <p:nvPr>
+            <p:ph idx="1"/>
+          </p:nvPr>
+        </p:nvSpPr>
+        <p:spPr/>
+        <p:txBody>
+          <a:bodyPr>
+            <a:normAutofit lnSpcReduction="10000"/>
+          </a:bodyPr>
+          <a:lstStyle/>
+          <a:p>
+            <a:r>
+              <a:rPr lang="en-US" dirty="0" smtClean="0"/>
+              <a:t>The Labs</a:t>
+            </a:r>
+          </a:p>
+          <a:p>
+            <a:r>
+              <a:rPr lang="en-US" dirty="0" smtClean="0"/>
+              <a:t>The Spec</a:t>
+            </a:r>
+          </a:p>
+          <a:p>
+            <a:pPr lvl="1"/>
+            <a:r>
+              <a:rPr lang="en-US" dirty="0">
+                <a:hlinkClick r:id="rId2"/>
+              </a:rPr>
+              <a:t>http://jcp.org/aboutJava/communityprocess/mrel/jsr224/index3.</a:t>
+            </a:r>
+            <a:r>
+              <a:rPr lang="en-US" dirty="0" smtClean="0">
+                <a:hlinkClick r:id="rId2"/>
+              </a:rPr>
+              <a:t>html</a:t>
+            </a:r>
+            <a:endParaRPr lang="en-US" dirty="0" smtClean="0"/>
+          </a:p>
+          <a:p>
+            <a:r>
+              <a:rPr lang="en-US" dirty="0" smtClean="0"/>
+              <a:t>The CXF documentation</a:t>
+            </a:r>
+          </a:p>
+          <a:p>
+            <a:pPr lvl="1"/>
+            <a:r>
+              <a:rPr lang="en-US" dirty="0">
+                <a:hlinkClick r:id="rId3"/>
+              </a:rPr>
+              <a:t>http://cxf.apache.org/docs/a-simple-jax-ws-</a:t>
+            </a:r>
+            <a:r>
+              <a:rPr lang="en-US" dirty="0" smtClean="0">
+                <a:hlinkClick r:id="rId3"/>
+              </a:rPr>
+              <a:t>service.html</a:t>
+            </a:r>
+            <a:endParaRPr lang="en-US" dirty="0" smtClean="0"/>
+          </a:p>
+          <a:p>
+            <a:r>
+              <a:rPr lang="en-US" dirty="0" smtClean="0"/>
+              <a:t>The Reference Implementation</a:t>
+            </a:r>
+          </a:p>
+          <a:p>
+            <a:pPr lvl="1"/>
+            <a:r>
+              <a:rPr lang="en-US" dirty="0"/>
+              <a:t>http://</a:t>
+            </a:r>
+            <a:r>
+              <a:rPr lang="en-US" dirty="0" err="1"/>
+              <a:t>jax-ws.java.net</a:t>
+            </a:r>
+            <a:r>
+              <a:rPr lang="en-US"/>
+              <a:t>/</a:t>
+            </a:r>
+          </a:p>
+          <a:p>
+            <a:pPr lvl="1"/>
+            <a:endParaRPr lang="en-US" dirty="0"/>
+          </a:p>
+        </p:txBody>
+      </p:sp>
+    </p:spTree>
+    <p:extLst>
+      <p:ext uri="{BB962C8B-B14F-4D97-AF65-F5344CB8AC3E}">
+        <p14:creationId xmlns:p14="http://schemas.microsoft.com/office/powerpoint/2010/main" val="2537379314"/>
       </p:ext>
     </p:extLst>
   </p:cSld>
